--- a/原型1.0.pptx
+++ b/原型1.0.pptx
@@ -12,7 +12,7 @@
     <p:sldId id="256" r:id="rId3"/>
     <p:sldId id="257" r:id="rId4"/>
     <p:sldId id="258" r:id="rId5"/>
-    <p:sldId id="259" r:id="rId6"/>
+    <p:sldId id="270" r:id="rId6"/>
     <p:sldId id="266" r:id="rId7"/>
     <p:sldId id="267" r:id="rId8"/>
     <p:sldId id="269" r:id="rId9"/>
@@ -820,8 +820,19 @@
           <a:p>
             <a:r>
               <a:rPr lang="zh-CN" altLang="en-US" dirty="0" smtClean="0"/>
-              <a:t>大纲名称需要根据层级先后将字体慢慢变小，做出有层次的效果</a:t>
-            </a:r>
+              <a:t>大纲名称需要根据层级先后将字体慢慢变小，是否为末级，如果不是末级就是灰色，为末级的改成绿色，如第一章需要改为末级则需要删除第一章下所有层级才可以，层级描述是对课程大纲中某一层级的教学进行一段文字描述，操作就是修改和删除，修改大纲名称，删除大纲，点击预览可以看见学生端展示的效果做出层级之间有层次的效果</a:t>
+            </a:r>
+            <a:r>
+              <a:rPr lang="en-US" altLang="zh-CN" dirty="0" smtClean="0"/>
+              <a:t>,</a:t>
+            </a:r>
+            <a:r>
+              <a:rPr lang="zh-CN" altLang="en-US" dirty="0" smtClean="0"/>
+              <a:t>点击文件上传进入下一个幻灯片</a:t>
+            </a:r>
+            <a:endParaRPr lang="en-US" altLang="zh-CN" dirty="0" smtClean="0"/>
+          </a:p>
+          <a:p>
             <a:endParaRPr lang="zh-CN" altLang="en-US" dirty="0"/>
           </a:p>
         </p:txBody>
@@ -852,7 +863,7 @@
     </p:spTree>
     <p:extLst>
       <p:ext uri="{BB962C8B-B14F-4D97-AF65-F5344CB8AC3E}">
-        <p14:creationId xmlns:p14="http://schemas.microsoft.com/office/powerpoint/2010/main" val="1289597904"/>
+        <p14:creationId xmlns:p14="http://schemas.microsoft.com/office/powerpoint/2010/main" val="363623242"/>
       </p:ext>
     </p:extLst>
   </p:cSld>
@@ -9821,7 +9832,7 @@
         <p:spPr>
           <a:xfrm>
             <a:off x="1575581" y="703384"/>
-            <a:ext cx="2011674" cy="337625"/>
+            <a:ext cx="1730368" cy="337625"/>
           </a:xfrm>
           <a:prstGeom prst="rect">
             <a:avLst/>
@@ -9864,8 +9875,8 @@
         </p:nvSpPr>
         <p:spPr>
           <a:xfrm>
-            <a:off x="4602476" y="703384"/>
-            <a:ext cx="998808" cy="337625"/>
+            <a:off x="4288343" y="703384"/>
+            <a:ext cx="800893" cy="337625"/>
           </a:xfrm>
           <a:prstGeom prst="rect">
             <a:avLst/>
@@ -9907,8 +9918,8 @@
         </p:nvSpPr>
         <p:spPr>
           <a:xfrm>
-            <a:off x="6600093" y="703384"/>
-            <a:ext cx="1137138" cy="337625"/>
+            <a:off x="6071631" y="703384"/>
+            <a:ext cx="800892" cy="337625"/>
           </a:xfrm>
           <a:prstGeom prst="rect">
             <a:avLst/>
@@ -9950,8 +9961,8 @@
         </p:nvSpPr>
         <p:spPr>
           <a:xfrm>
-            <a:off x="3603669" y="703384"/>
-            <a:ext cx="982393" cy="337625"/>
+            <a:off x="3305950" y="703384"/>
+            <a:ext cx="982394" cy="337625"/>
           </a:xfrm>
           <a:prstGeom prst="rect">
             <a:avLst/>
@@ -9993,8 +10004,8 @@
         </p:nvSpPr>
         <p:spPr>
           <a:xfrm>
-            <a:off x="5617698" y="703384"/>
-            <a:ext cx="965981" cy="337625"/>
+            <a:off x="5089236" y="703384"/>
+            <a:ext cx="982394" cy="337625"/>
           </a:xfrm>
           <a:prstGeom prst="rect">
             <a:avLst/>
@@ -10036,8 +10047,8 @@
         </p:nvSpPr>
         <p:spPr>
           <a:xfrm>
-            <a:off x="7737231" y="703384"/>
-            <a:ext cx="1026942" cy="337625"/>
+            <a:off x="6872523" y="703384"/>
+            <a:ext cx="849078" cy="337625"/>
           </a:xfrm>
           <a:prstGeom prst="rect">
             <a:avLst/>
@@ -10079,8 +10090,8 @@
         </p:nvSpPr>
         <p:spPr>
           <a:xfrm>
-            <a:off x="8719625" y="703384"/>
-            <a:ext cx="1026942" cy="337625"/>
+            <a:off x="8897489" y="703384"/>
+            <a:ext cx="849078" cy="337625"/>
           </a:xfrm>
           <a:prstGeom prst="rect">
             <a:avLst/>
@@ -10212,7 +10223,7 @@
         </p:nvSpPr>
         <p:spPr>
           <a:xfrm>
-            <a:off x="2319841" y="1137502"/>
+            <a:off x="1876798" y="1126430"/>
             <a:ext cx="601447" cy="369332"/>
           </a:xfrm>
           <a:prstGeom prst="rect">
@@ -10256,7 +10267,7 @@
         </p:blipFill>
         <p:spPr>
           <a:xfrm>
-            <a:off x="3920191" y="1209357"/>
+            <a:off x="3654122" y="1209355"/>
             <a:ext cx="286049" cy="286049"/>
           </a:xfrm>
           <a:prstGeom prst="rect">
@@ -10286,7 +10297,7 @@
         </p:blipFill>
         <p:spPr>
           <a:xfrm>
-            <a:off x="4958855" y="1209356"/>
+            <a:off x="4565652" y="1227825"/>
             <a:ext cx="286049" cy="286049"/>
           </a:xfrm>
           <a:prstGeom prst="rect">
@@ -10316,7 +10327,7 @@
         </p:blipFill>
         <p:spPr>
           <a:xfrm>
-            <a:off x="5951549" y="1198079"/>
+            <a:off x="5398709" y="1226223"/>
             <a:ext cx="297326" cy="297326"/>
           </a:xfrm>
           <a:prstGeom prst="rect">
@@ -10346,7 +10357,7 @@
         </p:blipFill>
         <p:spPr>
           <a:xfrm>
-            <a:off x="7039443" y="1209356"/>
+            <a:off x="6293647" y="1219029"/>
             <a:ext cx="373380" cy="266700"/>
           </a:xfrm>
           <a:prstGeom prst="rect">
@@ -10406,7 +10417,7 @@
         </p:blipFill>
         <p:spPr>
           <a:xfrm>
-            <a:off x="8131570" y="1200926"/>
+            <a:off x="7156451" y="1209249"/>
             <a:ext cx="283698" cy="294479"/>
           </a:xfrm>
           <a:prstGeom prst="rect">
@@ -10513,7 +10524,7 @@
         </p:blipFill>
         <p:spPr>
           <a:xfrm>
-            <a:off x="3920191" y="1720041"/>
+            <a:off x="3654122" y="1710311"/>
             <a:ext cx="286049" cy="286049"/>
           </a:xfrm>
           <a:prstGeom prst="rect">
@@ -10543,7 +10554,7 @@
         </p:blipFill>
         <p:spPr>
           <a:xfrm>
-            <a:off x="4958855" y="1720040"/>
+            <a:off x="4563058" y="1710499"/>
             <a:ext cx="286049" cy="286049"/>
           </a:xfrm>
           <a:prstGeom prst="rect">
@@ -10573,7 +10584,7 @@
         </p:blipFill>
         <p:spPr>
           <a:xfrm>
-            <a:off x="5951549" y="1708763"/>
+            <a:off x="5404495" y="1699034"/>
             <a:ext cx="297326" cy="297326"/>
           </a:xfrm>
           <a:prstGeom prst="rect">
@@ -10603,7 +10614,7 @@
         </p:blipFill>
         <p:spPr>
           <a:xfrm>
-            <a:off x="7039443" y="1720040"/>
+            <a:off x="6280745" y="1720040"/>
             <a:ext cx="373380" cy="266700"/>
           </a:xfrm>
           <a:prstGeom prst="rect">
@@ -10663,7 +10674,7 @@
         </p:blipFill>
         <p:spPr>
           <a:xfrm>
-            <a:off x="8122632" y="1712181"/>
+            <a:off x="7166145" y="1701881"/>
             <a:ext cx="283698" cy="294479"/>
           </a:xfrm>
           <a:prstGeom prst="rect">
@@ -10709,7 +10720,7 @@
         </p:nvSpPr>
         <p:spPr>
           <a:xfrm>
-            <a:off x="2432384" y="1699447"/>
+            <a:off x="2047596" y="1691295"/>
             <a:ext cx="723275" cy="307777"/>
           </a:xfrm>
           <a:prstGeom prst="rect">
@@ -10753,7 +10764,7 @@
         </p:blipFill>
         <p:spPr>
           <a:xfrm>
-            <a:off x="3911253" y="2196582"/>
+            <a:off x="3670784" y="2260938"/>
             <a:ext cx="286049" cy="286049"/>
           </a:xfrm>
           <a:prstGeom prst="rect">
@@ -10783,7 +10794,7 @@
         </p:blipFill>
         <p:spPr>
           <a:xfrm>
-            <a:off x="4949917" y="2196581"/>
+            <a:off x="4572929" y="2249888"/>
             <a:ext cx="286049" cy="286049"/>
           </a:xfrm>
           <a:prstGeom prst="rect">
@@ -10813,7 +10824,7 @@
         </p:blipFill>
         <p:spPr>
           <a:xfrm>
-            <a:off x="5942611" y="2185304"/>
+            <a:off x="5398709" y="2249888"/>
             <a:ext cx="297326" cy="297326"/>
           </a:xfrm>
           <a:prstGeom prst="rect">
@@ -10843,7 +10854,7 @@
         </p:blipFill>
         <p:spPr>
           <a:xfrm>
-            <a:off x="7030505" y="2196581"/>
+            <a:off x="6280745" y="2233738"/>
             <a:ext cx="373380" cy="266700"/>
           </a:xfrm>
           <a:prstGeom prst="rect">
@@ -10903,7 +10914,7 @@
         </p:blipFill>
         <p:spPr>
           <a:xfrm>
-            <a:off x="8131570" y="2190637"/>
+            <a:off x="7163258" y="2218358"/>
             <a:ext cx="283698" cy="294479"/>
           </a:xfrm>
           <a:prstGeom prst="rect">
@@ -10949,7 +10960,7 @@
         </p:nvSpPr>
         <p:spPr>
           <a:xfrm>
-            <a:off x="1575582" y="2140293"/>
+            <a:off x="1579923" y="2154978"/>
             <a:ext cx="8775896" cy="4292890"/>
           </a:xfrm>
           <a:prstGeom prst="rect">
@@ -10998,7 +11009,7 @@
         </p:nvSpPr>
         <p:spPr>
           <a:xfrm>
-            <a:off x="2659618" y="2254414"/>
+            <a:off x="2364686" y="2254414"/>
             <a:ext cx="646331" cy="276999"/>
           </a:xfrm>
           <a:prstGeom prst="rect">
@@ -11020,10 +11031,125 @@
           </a:p>
         </p:txBody>
       </p:sp>
+      <p:sp>
+        <p:nvSpPr>
+          <p:cNvPr id="39" name="矩形 38"/>
+          <p:cNvSpPr/>
+          <p:nvPr/>
+        </p:nvSpPr>
+        <p:spPr>
+          <a:xfrm>
+            <a:off x="7706947" y="703383"/>
+            <a:ext cx="1190541" cy="337625"/>
+          </a:xfrm>
+          <a:prstGeom prst="rect">
+            <a:avLst/>
+          </a:prstGeom>
+        </p:spPr>
+        <p:style>
+          <a:lnRef idx="2">
+            <a:schemeClr val="accent1">
+              <a:shade val="50000"/>
+            </a:schemeClr>
+          </a:lnRef>
+          <a:fillRef idx="1">
+            <a:schemeClr val="accent1"/>
+          </a:fillRef>
+          <a:effectRef idx="0">
+            <a:schemeClr val="accent1"/>
+          </a:effectRef>
+          <a:fontRef idx="minor">
+            <a:schemeClr val="lt1"/>
+          </a:fontRef>
+        </p:style>
+        <p:txBody>
+          <a:bodyPr rtlCol="0" anchor="ctr"/>
+          <a:lstStyle/>
+          <a:p>
+            <a:pPr algn="ctr"/>
+            <a:r>
+              <a:rPr lang="zh-CN" altLang="en-US" sz="1200" dirty="0"/>
+              <a:t>流程图</a:t>
+            </a:r>
+          </a:p>
+        </p:txBody>
+      </p:sp>
+      <p:pic>
+        <p:nvPicPr>
+          <p:cNvPr id="2" name="图片 1"/>
+          <p:cNvPicPr>
+            <a:picLocks noChangeAspect="1"/>
+          </p:cNvPicPr>
+          <p:nvPr/>
+        </p:nvPicPr>
+        <p:blipFill>
+          <a:blip r:embed="rId9"/>
+          <a:stretch>
+            <a:fillRect/>
+          </a:stretch>
+        </p:blipFill>
+        <p:spPr>
+          <a:xfrm>
+            <a:off x="8160051" y="1220776"/>
+            <a:ext cx="284331" cy="274628"/>
+          </a:xfrm>
+          <a:prstGeom prst="rect">
+            <a:avLst/>
+          </a:prstGeom>
+        </p:spPr>
+      </p:pic>
+      <p:pic>
+        <p:nvPicPr>
+          <p:cNvPr id="40" name="图片 39"/>
+          <p:cNvPicPr>
+            <a:picLocks noChangeAspect="1"/>
+          </p:cNvPicPr>
+          <p:nvPr/>
+        </p:nvPicPr>
+        <p:blipFill>
+          <a:blip r:embed="rId9"/>
+          <a:stretch>
+            <a:fillRect/>
+          </a:stretch>
+        </p:blipFill>
+        <p:spPr>
+          <a:xfrm>
+            <a:off x="8160050" y="1769356"/>
+            <a:ext cx="284331" cy="274628"/>
+          </a:xfrm>
+          <a:prstGeom prst="rect">
+            <a:avLst/>
+          </a:prstGeom>
+        </p:spPr>
+      </p:pic>
+      <p:pic>
+        <p:nvPicPr>
+          <p:cNvPr id="41" name="图片 40"/>
+          <p:cNvPicPr>
+            <a:picLocks noChangeAspect="1"/>
+          </p:cNvPicPr>
+          <p:nvPr/>
+        </p:nvPicPr>
+        <p:blipFill>
+          <a:blip r:embed="rId9"/>
+          <a:stretch>
+            <a:fillRect/>
+          </a:stretch>
+        </p:blipFill>
+        <p:spPr>
+          <a:xfrm>
+            <a:off x="8160050" y="2214795"/>
+            <a:ext cx="284331" cy="274628"/>
+          </a:xfrm>
+          <a:prstGeom prst="rect">
+            <a:avLst/>
+          </a:prstGeom>
+        </p:spPr>
+      </p:pic>
     </p:spTree>
     <p:extLst>
       <p:ext uri="{BB962C8B-B14F-4D97-AF65-F5344CB8AC3E}">
-        <p14:creationId xmlns:p14="http://schemas.microsoft.com/office/powerpoint/2010/main" val="2392756797"/>
+        <p14:creationId xmlns:p14="http://schemas.microsoft.com/office/powerpoint/2010/main" val="3305108147"/>
       </p:ext>
     </p:extLst>
   </p:cSld>
@@ -12812,17 +12938,7 @@
                   </a:schemeClr>
                 </a:solidFill>
               </a:rPr>
-              <a:t>输入关键字搜索</a:t>
-            </a:r>
-            <a:r>
-              <a:rPr lang="zh-CN" altLang="en-US" sz="1100" dirty="0" smtClean="0">
-                <a:solidFill>
-                  <a:schemeClr val="bg1">
-                    <a:lumMod val="85000"/>
-                  </a:schemeClr>
-                </a:solidFill>
-              </a:rPr>
-              <a:t>试题</a:t>
+              <a:t>输入关键字搜索试题</a:t>
             </a:r>
             <a:endParaRPr lang="zh-CN" altLang="en-US" sz="1200" dirty="0">
               <a:solidFill>
@@ -13223,11 +13339,7 @@
             <a:pPr algn="ctr"/>
             <a:r>
               <a:rPr lang="zh-CN" altLang="en-US" sz="1400" dirty="0" smtClean="0"/>
-              <a:t>增加</a:t>
-            </a:r>
-            <a:r>
-              <a:rPr lang="zh-CN" altLang="en-US" sz="1400" dirty="0" smtClean="0"/>
-              <a:t>题库</a:t>
+              <a:t>增加题库</a:t>
             </a:r>
             <a:r>
               <a:rPr lang="en-US" altLang="zh-CN" sz="1400" dirty="0" smtClean="0"/>
